--- a/PRESENTATIONS/2021-06-online-f2f/2021-06-22-WoT-F2F-Opening-McCool.pptx
+++ b/PRESENTATIONS/2021-06-online-f2f/2021-06-22-WoT-F2F-Opening-McCool.pptx
@@ -4377,7 +4377,7 @@
           <a:p>
             <a:r>
               <a:rPr lang="en-US" dirty="0"/>
-              <a:t>21 June 2021</a:t>
+              <a:t>22 June 2021</a:t>
             </a:r>
           </a:p>
         </p:txBody>
@@ -4955,7 +4955,7 @@
           <a:p>
             <a:r>
               <a:rPr lang="en-CA" b="1" dirty="0"/>
-              <a:t>IG: Monday June 21 (1h55m)</a:t>
+              <a:t>IG: Tuesday June 22 (1h55m)</a:t>
             </a:r>
             <a:r>
               <a:rPr lang="en-CA" dirty="0"/>
@@ -4966,7 +4966,7 @@
             </a:br>
             <a:r>
               <a:rPr lang="en-CA" dirty="0"/>
-              <a:t>Testing &amp; Rechartering</a:t>
+              <a:t>Profiles</a:t>
             </a:r>
             <a:endParaRPr lang="en-US" dirty="0"/>
           </a:p>
@@ -5000,28 +5000,54 @@
           <a:p>
             <a:r>
               <a:rPr lang="en-CA" b="1" dirty="0"/>
-              <a:t>Opening session: Welcome (Sebastian/McCool; 10m)</a:t>
-            </a:r>
+              <a:t>Opening session: Welcome (Sebastian/McCool; 5m)</a:t>
+            </a:r>
+          </a:p>
+          <a:p>
+            <a:r>
+              <a:rPr lang="en-CA" dirty="0"/>
+              <a:t>Topics - Profiles</a:t>
+            </a:r>
+          </a:p>
+          <a:p>
+            <a:pPr lvl="1"/>
+            <a:r>
+              <a:rPr lang="en-CA" dirty="0"/>
+              <a:t>Actions</a:t>
+            </a:r>
+          </a:p>
+          <a:p>
+            <a:pPr lvl="1"/>
+            <a:r>
+              <a:rPr lang="en-CA" dirty="0"/>
+              <a:t>Events</a:t>
+            </a:r>
+          </a:p>
+          <a:p>
+            <a:pPr lvl="1"/>
+            <a:r>
+              <a:rPr lang="en-CA" dirty="0"/>
+              <a:t>Return codes</a:t>
+            </a:r>
+          </a:p>
+          <a:p>
+            <a:pPr lvl="1"/>
+            <a:r>
+              <a:rPr lang="en-CA" dirty="0"/>
+              <a:t>Test Plan</a:t>
+            </a:r>
+            <a:endParaRPr lang="en-CA" b="1" dirty="0"/>
           </a:p>
           <a:p>
             <a:r>
               <a:rPr lang="en-CA" b="1" dirty="0"/>
-              <a:t>Testing (1h) - McCool</a:t>
-            </a:r>
-          </a:p>
-          <a:p>
-            <a:pPr lvl="1"/>
-            <a:r>
-              <a:rPr lang="en-CA" dirty="0"/>
-              <a:t>Review of draft TD Implementation Report (McCool; 30m)</a:t>
-            </a:r>
-          </a:p>
-          <a:p>
-            <a:pPr lvl="1"/>
-            <a:r>
-              <a:rPr lang="en-CA" dirty="0"/>
-              <a:t>Discussion of next steps (McCool; 30m)</a:t>
-            </a:r>
+              <a:t>Session I (50m) - </a:t>
+            </a:r>
+            <a:r>
+              <a:rPr lang="en-CA" b="1" dirty="0" err="1"/>
+              <a:t>Lagally</a:t>
+            </a:r>
+            <a:endParaRPr lang="en-CA" b="1" dirty="0"/>
           </a:p>
           <a:p>
             <a:r>
@@ -5032,23 +5058,13 @@
           <a:p>
             <a:r>
               <a:rPr lang="en-CA" b="1" dirty="0"/>
-              <a:t>Charters and Extensions (30m) – Sebastian/McCool</a:t>
+              <a:t>Session II (45m) – </a:t>
+            </a:r>
+            <a:r>
+              <a:rPr lang="en-CA" b="1" dirty="0" err="1"/>
+              <a:t>Lagally</a:t>
             </a:r>
             <a:endParaRPr lang="en-CA" dirty="0"/>
-          </a:p>
-          <a:p>
-            <a:pPr lvl="1"/>
-            <a:r>
-              <a:rPr lang="en-CA" dirty="0"/>
-              <a:t>IG Charter – Extension and Renewal</a:t>
-            </a:r>
-          </a:p>
-          <a:p>
-            <a:pPr lvl="1"/>
-            <a:r>
-              <a:rPr lang="en-CA" dirty="0"/>
-              <a:t>WG Charter – Extension and Renewal</a:t>
-            </a:r>
           </a:p>
           <a:p>
             <a:r>

--- a/PRESENTATIONS/2021-06-online-f2f/2021-06-22-WoT-F2F-Opening-McCool.pptx
+++ b/PRESENTATIONS/2021-06-online-f2f/2021-06-22-WoT-F2F-Opening-McCool.pptx
@@ -4955,7 +4955,15 @@
           <a:p>
             <a:r>
               <a:rPr lang="en-CA" b="1" dirty="0"/>
-              <a:t>IG: Tuesday June 22 (1h55m)</a:t>
+              <a:t>W</a:t>
+            </a:r>
+            <a:r>
+              <a:rPr lang="en-CA" b="1"/>
+              <a:t>G</a:t>
+            </a:r>
+            <a:r>
+              <a:rPr lang="en-CA" b="1" dirty="0"/>
+              <a:t>: Tuesday June 22 (1h55m)</a:t>
             </a:r>
             <a:r>
               <a:rPr lang="en-CA" dirty="0"/>
